--- a/slides/lists.pptx
+++ b/slides/lists.pptx
@@ -5,7 +5,7 @@
     <p:sldMasterId id="2147483648" r:id="rId1"/>
   </p:sldMasterIdLst>
   <p:notesMasterIdLst>
-    <p:notesMasterId r:id="rId25"/>
+    <p:notesMasterId r:id="rId26"/>
   </p:notesMasterIdLst>
   <p:sldIdLst>
     <p:sldId id="613" r:id="rId2"/>
@@ -31,6 +31,7 @@
     <p:sldId id="454" r:id="rId22"/>
     <p:sldId id="455" r:id="rId23"/>
     <p:sldId id="456" r:id="rId24"/>
+    <p:sldId id="621" r:id="rId25"/>
   </p:sldIdLst>
   <p:sldSz cx="12192000" cy="6858000"/>
   <p:notesSz cx="6858000" cy="9144000"/>
@@ -222,7 +223,7 @@
           <a:p>
             <a:fld id="{6BA546CD-0611-7545-8F55-072F0299D807}" type="datetimeFigureOut">
               <a:rPr lang="en-US" smtClean="0"/>
-              <a:t>8/24/21</a:t>
+              <a:t>10/5/21</a:t>
             </a:fld>
             <a:endParaRPr lang="en-US"/>
           </a:p>
@@ -3042,7 +3043,7 @@
           <a:p>
             <a:fld id="{9DCA369C-CB3F-4260-86E8-FD3F54C73225}" type="datetimeFigureOut">
               <a:rPr lang="en-US" smtClean="0"/>
-              <a:t>8/24/21</a:t>
+              <a:t>10/5/21</a:t>
             </a:fld>
             <a:endParaRPr lang="en-US"/>
           </a:p>
@@ -3308,7 +3309,7 @@
           <a:p>
             <a:fld id="{9DCA369C-CB3F-4260-86E8-FD3F54C73225}" type="datetimeFigureOut">
               <a:rPr lang="en-US" smtClean="0"/>
-              <a:t>8/24/21</a:t>
+              <a:t>10/5/21</a:t>
             </a:fld>
             <a:endParaRPr lang="en-US"/>
           </a:p>
@@ -3516,7 +3517,7 @@
           <a:p>
             <a:fld id="{9DCA369C-CB3F-4260-86E8-FD3F54C73225}" type="datetimeFigureOut">
               <a:rPr lang="en-US" smtClean="0"/>
-              <a:t>8/24/21</a:t>
+              <a:t>10/5/21</a:t>
             </a:fld>
             <a:endParaRPr lang="en-US"/>
           </a:p>
@@ -3764,7 +3765,7 @@
           <a:p>
             <a:fld id="{9DCA369C-CB3F-4260-86E8-FD3F54C73225}" type="datetimeFigureOut">
               <a:rPr lang="en-US" smtClean="0"/>
-              <a:t>8/24/21</a:t>
+              <a:t>10/5/21</a:t>
             </a:fld>
             <a:endParaRPr lang="en-US"/>
           </a:p>
@@ -4120,7 +4121,7 @@
           <a:p>
             <a:fld id="{9DCA369C-CB3F-4260-86E8-FD3F54C73225}" type="datetimeFigureOut">
               <a:rPr lang="en-US" smtClean="0"/>
-              <a:t>8/24/21</a:t>
+              <a:t>10/5/21</a:t>
             </a:fld>
             <a:endParaRPr lang="en-US"/>
           </a:p>
@@ -4385,7 +4386,7 @@
           <a:p>
             <a:fld id="{9DCA369C-CB3F-4260-86E8-FD3F54C73225}" type="datetimeFigureOut">
               <a:rPr lang="en-US" smtClean="0"/>
-              <a:t>8/24/21</a:t>
+              <a:t>10/5/21</a:t>
             </a:fld>
             <a:endParaRPr lang="en-US"/>
           </a:p>
@@ -4797,7 +4798,7 @@
           <a:p>
             <a:fld id="{9DCA369C-CB3F-4260-86E8-FD3F54C73225}" type="datetimeFigureOut">
               <a:rPr lang="en-US" smtClean="0"/>
-              <a:t>8/24/21</a:t>
+              <a:t>10/5/21</a:t>
             </a:fld>
             <a:endParaRPr lang="en-US"/>
           </a:p>
@@ -4938,7 +4939,7 @@
           <a:p>
             <a:fld id="{9DCA369C-CB3F-4260-86E8-FD3F54C73225}" type="datetimeFigureOut">
               <a:rPr lang="en-US" smtClean="0"/>
-              <a:t>8/24/21</a:t>
+              <a:t>10/5/21</a:t>
             </a:fld>
             <a:endParaRPr lang="en-US"/>
           </a:p>
@@ -5051,7 +5052,7 @@
           <a:p>
             <a:fld id="{9DCA369C-CB3F-4260-86E8-FD3F54C73225}" type="datetimeFigureOut">
               <a:rPr lang="en-US" smtClean="0"/>
-              <a:t>8/24/21</a:t>
+              <a:t>10/5/21</a:t>
             </a:fld>
             <a:endParaRPr lang="en-US"/>
           </a:p>
@@ -5362,7 +5363,7 @@
           <a:p>
             <a:fld id="{9DCA369C-CB3F-4260-86E8-FD3F54C73225}" type="datetimeFigureOut">
               <a:rPr lang="en-US" smtClean="0"/>
-              <a:t>8/24/21</a:t>
+              <a:t>10/5/21</a:t>
             </a:fld>
             <a:endParaRPr lang="en-US"/>
           </a:p>
@@ -5650,7 +5651,7 @@
           <a:p>
             <a:fld id="{9DCA369C-CB3F-4260-86E8-FD3F54C73225}" type="datetimeFigureOut">
               <a:rPr lang="en-US" smtClean="0"/>
-              <a:t>8/24/21</a:t>
+              <a:t>10/5/21</a:t>
             </a:fld>
             <a:endParaRPr lang="en-US"/>
           </a:p>
@@ -5891,7 +5892,7 @@
           <a:p>
             <a:fld id="{9DCA369C-CB3F-4260-86E8-FD3F54C73225}" type="datetimeFigureOut">
               <a:rPr lang="en-US" smtClean="0"/>
-              <a:t>8/24/21</a:t>
+              <a:t>10/5/21</a:t>
             </a:fld>
             <a:endParaRPr lang="en-US"/>
           </a:p>
@@ -13865,7 +13866,7 @@
                 <a:latin typeface="Consolas" pitchFamily="49" charset="0"/>
                 <a:cs typeface="Consolas" pitchFamily="49" charset="0"/>
               </a:rPr>
-              <a:t> </a:t>
+              <a:t>   </a:t>
             </a:r>
             <a:r>
               <a:rPr lang="en-US" altLang="en-US" sz="1600" dirty="0" err="1">
@@ -15336,6 +15337,169 @@
     <p:extLst>
       <p:ext uri="{BB962C8B-B14F-4D97-AF65-F5344CB8AC3E}">
         <p14:creationId xmlns:p14="http://schemas.microsoft.com/office/powerpoint/2010/main" val="2125094465"/>
+      </p:ext>
+    </p:extLst>
+  </p:cSld>
+  <p:clrMapOvr>
+    <a:masterClrMapping/>
+  </p:clrMapOvr>
+</p:sld>
+</file>
+
+<file path=ppt/slides/slide24.xml><?xml version="1.0" encoding="utf-8"?>
+<p:sld xmlns:a="http://schemas.openxmlformats.org/drawingml/2006/main" xmlns:r="http://schemas.openxmlformats.org/officeDocument/2006/relationships" xmlns:p="http://schemas.openxmlformats.org/presentationml/2006/main">
+  <p:cSld>
+    <p:spTree>
+      <p:nvGrpSpPr>
+        <p:cNvPr id="1" name=""/>
+        <p:cNvGrpSpPr/>
+        <p:nvPr/>
+      </p:nvGrpSpPr>
+      <p:grpSpPr>
+        <a:xfrm>
+          <a:off x="0" y="0"/>
+          <a:ext cx="0" cy="0"/>
+          <a:chOff x="0" y="0"/>
+          <a:chExt cx="0" cy="0"/>
+        </a:xfrm>
+      </p:grpSpPr>
+      <p:sp>
+        <p:nvSpPr>
+          <p:cNvPr id="2" name="Title 1">
+            <a:extLst>
+              <a:ext uri="{FF2B5EF4-FFF2-40B4-BE49-F238E27FC236}">
+                <a16:creationId xmlns:a16="http://schemas.microsoft.com/office/drawing/2014/main" id="{486513CC-A798-6346-9695-B431FE04B2B4}"/>
+              </a:ext>
+            </a:extLst>
+          </p:cNvPr>
+          <p:cNvSpPr>
+            <a:spLocks noGrp="1"/>
+          </p:cNvSpPr>
+          <p:nvPr>
+            <p:ph type="title"/>
+          </p:nvPr>
+        </p:nvSpPr>
+        <p:spPr/>
+        <p:txBody>
+          <a:bodyPr/>
+          <a:lstStyle/>
+          <a:p>
+            <a:r>
+              <a:rPr lang="en-US" dirty="0"/>
+              <a:t>LAB</a:t>
+            </a:r>
+          </a:p>
+        </p:txBody>
+      </p:sp>
+      <p:sp>
+        <p:nvSpPr>
+          <p:cNvPr id="3" name="Content Placeholder 2">
+            <a:extLst>
+              <a:ext uri="{FF2B5EF4-FFF2-40B4-BE49-F238E27FC236}">
+                <a16:creationId xmlns:a16="http://schemas.microsoft.com/office/drawing/2014/main" id="{A1403BD2-FB53-B140-8E00-F20E114216BF}"/>
+              </a:ext>
+            </a:extLst>
+          </p:cNvPr>
+          <p:cNvSpPr>
+            <a:spLocks noGrp="1"/>
+          </p:cNvSpPr>
+          <p:nvPr>
+            <p:ph idx="1"/>
+          </p:nvPr>
+        </p:nvSpPr>
+        <p:spPr/>
+        <p:txBody>
+          <a:bodyPr/>
+          <a:lstStyle/>
+          <a:p>
+            <a:r>
+              <a:rPr lang="en-US" dirty="0"/>
+              <a:t>Write a list using the </a:t>
+            </a:r>
+            <a:r>
+              <a:rPr lang="en-US" dirty="0">
+                <a:latin typeface="Courier" pitchFamily="2" charset="0"/>
+              </a:rPr>
+              <a:t>std::list</a:t>
+            </a:r>
+            <a:r>
+              <a:rPr lang="en-US" dirty="0"/>
+              <a:t> library to manipulate the following operations</a:t>
+            </a:r>
+          </a:p>
+          <a:p>
+            <a:pPr lvl="1"/>
+            <a:r>
+              <a:rPr lang="en-US" dirty="0"/>
+              <a:t>Insert five integers, 2, 5, 9, 10, -3</a:t>
+            </a:r>
+          </a:p>
+          <a:p>
+            <a:pPr lvl="1"/>
+            <a:r>
+              <a:rPr lang="en-US" dirty="0"/>
+              <a:t>Print the elements in the list</a:t>
+            </a:r>
+          </a:p>
+          <a:p>
+            <a:pPr lvl="1"/>
+            <a:r>
+              <a:rPr lang="en-US" dirty="0"/>
+              <a:t>Erase the element 9</a:t>
+            </a:r>
+          </a:p>
+          <a:p>
+            <a:pPr lvl="1"/>
+            <a:r>
+              <a:rPr lang="en-US" dirty="0"/>
+              <a:t>Print the elements in the list</a:t>
+            </a:r>
+          </a:p>
+          <a:p>
+            <a:pPr lvl="1"/>
+            <a:r>
+              <a:rPr lang="en-US" dirty="0"/>
+              <a:t>Insert a new integer -100 right after 10</a:t>
+            </a:r>
+          </a:p>
+          <a:p>
+            <a:pPr lvl="1"/>
+            <a:r>
+              <a:rPr lang="en-US" dirty="0"/>
+              <a:t>Print the elements in the list</a:t>
+            </a:r>
+          </a:p>
+          <a:p>
+            <a:pPr lvl="1"/>
+            <a:r>
+              <a:rPr lang="en-US" dirty="0"/>
+              <a:t>Remove the first element</a:t>
+            </a:r>
+          </a:p>
+          <a:p>
+            <a:pPr lvl="1"/>
+            <a:r>
+              <a:rPr lang="en-US" dirty="0"/>
+              <a:t>Remove the last element</a:t>
+            </a:r>
+          </a:p>
+          <a:p>
+            <a:pPr lvl="1"/>
+            <a:r>
+              <a:rPr lang="en-US" dirty="0"/>
+              <a:t>Print the elements in the list</a:t>
+            </a:r>
+          </a:p>
+          <a:p>
+            <a:pPr lvl="1"/>
+            <a:endParaRPr lang="en-US" dirty="0"/>
+          </a:p>
+        </p:txBody>
+      </p:sp>
+    </p:spTree>
+    <p:extLst>
+      <p:ext uri="{BB962C8B-B14F-4D97-AF65-F5344CB8AC3E}">
+        <p14:creationId xmlns:p14="http://schemas.microsoft.com/office/powerpoint/2010/main" val="2981030310"/>
       </p:ext>
     </p:extLst>
   </p:cSld>
